--- a/2013180006JaeHwanKim_2DGameProgramming_Final-Announcement.pptx
+++ b/2013180006JaeHwanKim_2DGameProgramming_Final-Announcement.pptx
@@ -1142,7 +1142,7 @@
           <p:nvPr>
             <p:extLst>
               <p:ext uri="{D42A27DB-BD31-4B8C-83A1-F6EECF244321}">
-                <p14:modId xmlns:p14="http://schemas.microsoft.com/office/powerpoint/2010/main" val="2264522923"/>
+                <p14:modId xmlns:p14="http://schemas.microsoft.com/office/powerpoint/2010/main" val="1272605606"/>
               </p:ext>
             </p:extLst>
           </p:nvPr>
@@ -1380,24 +1380,24 @@
                     <a:p>
                       <a:pPr latinLnBrk="1"/>
                       <a:r>
+                        <a:rPr lang="ko-KR" altLang="en-US" sz="1200" dirty="0" smtClean="0"/>
+                        <a:t>점프 제외 전원 구현</a:t>
+                      </a:r>
+                      <a:endParaRPr lang="en-US" altLang="ko-KR" sz="1200" dirty="0" smtClean="0"/>
+                    </a:p>
+                    <a:p>
+                      <a:pPr latinLnBrk="1"/>
+                      <a:r>
                         <a:rPr lang="en-US" altLang="ko-KR" sz="1200" dirty="0" smtClean="0"/>
                         <a:t>(</a:t>
                       </a:r>
                       <a:r>
                         <a:rPr lang="ko-KR" altLang="en-US" sz="1200" dirty="0" smtClean="0"/>
-                        <a:t>점프는 리소스 한계로 </a:t>
-                      </a:r>
-                      <a:r>
-                        <a:rPr lang="ko-KR" altLang="en-US" sz="1200" dirty="0" err="1" smtClean="0"/>
-                        <a:t>미구현</a:t>
+                        <a:t>점프는 리소스의 한계로 미 구현</a:t>
                       </a:r>
                       <a:r>
                         <a:rPr lang="en-US" altLang="ko-KR" sz="1200" dirty="0" smtClean="0"/>
                         <a:t>) </a:t>
-                      </a:r>
-                      <a:r>
-                        <a:rPr lang="ko-KR" altLang="en-US" sz="1200" dirty="0" smtClean="0"/>
-                        <a:t>점프 제외 전원 구현</a:t>
                       </a:r>
                       <a:endParaRPr lang="en-US" altLang="ko-KR" sz="1200" dirty="0" smtClean="0"/>
                     </a:p>
@@ -1498,7 +1498,23 @@
                       <a:pPr latinLnBrk="1"/>
                       <a:r>
                         <a:rPr lang="ko-KR" altLang="en-US" sz="1200" dirty="0" smtClean="0"/>
-                        <a:t>스킬 구현</a:t>
+                        <a:t>바람 쪼개기 </a:t>
+                      </a:r>
+                      <a:endParaRPr lang="en-US" altLang="ko-KR" sz="1200" dirty="0" smtClean="0"/>
+                    </a:p>
+                    <a:p>
+                      <a:pPr latinLnBrk="1"/>
+                      <a:r>
+                        <a:rPr lang="ko-KR" altLang="en-US" sz="1200" dirty="0" smtClean="0"/>
+                        <a:t>스킬 </a:t>
+                      </a:r>
+                      <a:r>
+                        <a:rPr lang="en-US" altLang="ko-KR" sz="1200" dirty="0" smtClean="0"/>
+                        <a:t>1</a:t>
+                      </a:r>
+                      <a:r>
+                        <a:rPr lang="ko-KR" altLang="en-US" sz="1200" dirty="0" smtClean="0"/>
+                        <a:t>종 구현</a:t>
                       </a:r>
                       <a:endParaRPr lang="ko-KR" altLang="en-US" sz="1200" dirty="0"/>
                     </a:p>
@@ -1640,7 +1656,15 @@
                       </a:r>
                       <a:r>
                         <a:rPr lang="ko-KR" altLang="en-US" sz="1200" dirty="0" smtClean="0"/>
-                        <a:t>개 구현 완료</a:t>
+                        <a:t>개 </a:t>
+                      </a:r>
+                      <a:endParaRPr lang="en-US" altLang="ko-KR" sz="1200" dirty="0" smtClean="0"/>
+                    </a:p>
+                    <a:p>
+                      <a:pPr latinLnBrk="1"/>
+                      <a:r>
+                        <a:rPr lang="ko-KR" altLang="en-US" sz="1200" dirty="0" smtClean="0"/>
+                        <a:t>구현 완료</a:t>
                       </a:r>
                       <a:endParaRPr lang="ko-KR" altLang="en-US" sz="1200" dirty="0"/>
                     </a:p>
@@ -1919,11 +1943,7 @@
                       <a:pPr latinLnBrk="1"/>
                       <a:r>
                         <a:rPr lang="ko-KR" altLang="en-US" sz="1200" dirty="0" smtClean="0"/>
-                        <a:t>난이도 시스템 </a:t>
-                      </a:r>
-                      <a:r>
-                        <a:rPr lang="ko-KR" altLang="en-US" sz="1200" dirty="0" err="1" smtClean="0"/>
-                        <a:t>미구현</a:t>
+                        <a:t>난이도 시스템 미 구현</a:t>
                       </a:r>
                       <a:endParaRPr lang="ko-KR" altLang="en-US" sz="1200" dirty="0"/>
                     </a:p>
@@ -2450,8 +2470,8 @@
                     <a:p>
                       <a:pPr latinLnBrk="1"/>
                       <a:r>
-                        <a:rPr lang="ko-KR" altLang="en-US" sz="1200" dirty="0" err="1" smtClean="0"/>
-                        <a:t>미구현</a:t>
+                        <a:rPr lang="ko-KR" altLang="en-US" sz="1200" dirty="0" smtClean="0"/>
+                        <a:t>미 구현</a:t>
                       </a:r>
                       <a:endParaRPr lang="en-US" altLang="ko-KR" sz="1200" dirty="0" smtClean="0"/>
                     </a:p>
@@ -2706,6 +2726,26 @@
               <a:t>, </a:t>
             </a:r>
             <a:r>
+              <a:rPr lang="ko-KR" altLang="en-US" dirty="0"/>
+              <a:t>아직 구현하고 싶은 것이 </a:t>
+            </a:r>
+            <a:r>
+              <a:rPr lang="ko-KR" altLang="en-US"/>
+              <a:t>많이 </a:t>
+            </a:r>
+            <a:r>
+              <a:rPr lang="ko-KR" altLang="en-US" smtClean="0"/>
+              <a:t>있는데도</a:t>
+            </a:r>
+            <a:r>
+              <a:rPr lang="en-US" altLang="ko-KR" smtClean="0"/>
+              <a:t>,</a:t>
+            </a:r>
+            <a:endParaRPr lang="ko-KR" altLang="en-US" dirty="0"/>
+          </a:p>
+          <a:p>
+            <a:pPr algn="ctr"/>
+            <a:r>
               <a:rPr lang="ko-KR" altLang="en-US" dirty="0" smtClean="0"/>
               <a:t>실력 부족으로 인해 구현하고자 했던 것을 다 구현하지 못한 점이 아쉬움으로 남았다</a:t>
             </a:r>
@@ -2713,7 +2753,6 @@
               <a:rPr lang="en-US" altLang="ko-KR" dirty="0" smtClean="0"/>
               <a:t>.</a:t>
             </a:r>
-            <a:endParaRPr lang="ko-KR" altLang="en-US" dirty="0"/>
           </a:p>
         </p:txBody>
       </p:sp>

--- a/2013180006JaeHwanKim_2DGameProgramming_Final-Announcement.pptx
+++ b/2013180006JaeHwanKim_2DGameProgramming_Final-Announcement.pptx
@@ -965,6 +965,243 @@
           </a:p>
         </p:txBody>
       </p:sp>
+      <p:pic>
+        <p:nvPicPr>
+          <p:cNvPr id="6" name="그림 5"/>
+          <p:cNvPicPr>
+            <a:picLocks noChangeAspect="1"/>
+          </p:cNvPicPr>
+          <p:nvPr/>
+        </p:nvPicPr>
+        <p:blipFill>
+          <a:blip r:embed="rId2" cstate="print">
+            <a:extLst>
+              <a:ext uri="{28A0092B-C50C-407E-A947-70E740481C1C}">
+                <a14:useLocalDpi xmlns:a14="http://schemas.microsoft.com/office/drawing/2010/main" val="0"/>
+              </a:ext>
+            </a:extLst>
+          </a:blip>
+          <a:stretch>
+            <a:fillRect/>
+          </a:stretch>
+        </p:blipFill>
+        <p:spPr>
+          <a:xfrm>
+            <a:off x="263352" y="1228082"/>
+            <a:ext cx="2679636" cy="2088232"/>
+          </a:xfrm>
+          <a:prstGeom prst="rect">
+            <a:avLst/>
+          </a:prstGeom>
+        </p:spPr>
+      </p:pic>
+      <p:pic>
+        <p:nvPicPr>
+          <p:cNvPr id="7" name="그림 6"/>
+          <p:cNvPicPr>
+            <a:picLocks noChangeAspect="1"/>
+          </p:cNvPicPr>
+          <p:nvPr/>
+        </p:nvPicPr>
+        <p:blipFill>
+          <a:blip r:embed="rId3" cstate="print">
+            <a:extLst>
+              <a:ext uri="{28A0092B-C50C-407E-A947-70E740481C1C}">
+                <a14:useLocalDpi xmlns:a14="http://schemas.microsoft.com/office/drawing/2010/main" val="0"/>
+              </a:ext>
+            </a:extLst>
+          </a:blip>
+          <a:stretch>
+            <a:fillRect/>
+          </a:stretch>
+        </p:blipFill>
+        <p:spPr>
+          <a:xfrm>
+            <a:off x="3271200" y="566868"/>
+            <a:ext cx="2764604" cy="2152346"/>
+          </a:xfrm>
+          <a:prstGeom prst="rect">
+            <a:avLst/>
+          </a:prstGeom>
+        </p:spPr>
+      </p:pic>
+      <p:pic>
+        <p:nvPicPr>
+          <p:cNvPr id="8" name="그림 7"/>
+          <p:cNvPicPr>
+            <a:picLocks noChangeAspect="1"/>
+          </p:cNvPicPr>
+          <p:nvPr/>
+        </p:nvPicPr>
+        <p:blipFill>
+          <a:blip r:embed="rId4" cstate="print">
+            <a:extLst>
+              <a:ext uri="{28A0092B-C50C-407E-A947-70E740481C1C}">
+                <a14:useLocalDpi xmlns:a14="http://schemas.microsoft.com/office/drawing/2010/main" val="0"/>
+              </a:ext>
+            </a:extLst>
+          </a:blip>
+          <a:stretch>
+            <a:fillRect/>
+          </a:stretch>
+        </p:blipFill>
+        <p:spPr>
+          <a:xfrm>
+            <a:off x="6364016" y="1032662"/>
+            <a:ext cx="2935803" cy="2285959"/>
+          </a:xfrm>
+          <a:prstGeom prst="rect">
+            <a:avLst/>
+          </a:prstGeom>
+        </p:spPr>
+      </p:pic>
+      <p:pic>
+        <p:nvPicPr>
+          <p:cNvPr id="10" name="그림 9"/>
+          <p:cNvPicPr>
+            <a:picLocks noChangeAspect="1"/>
+          </p:cNvPicPr>
+          <p:nvPr/>
+        </p:nvPicPr>
+        <p:blipFill>
+          <a:blip r:embed="rId5" cstate="print">
+            <a:extLst>
+              <a:ext uri="{28A0092B-C50C-407E-A947-70E740481C1C}">
+                <a14:useLocalDpi xmlns:a14="http://schemas.microsoft.com/office/drawing/2010/main" val="0"/>
+              </a:ext>
+            </a:extLst>
+          </a:blip>
+          <a:stretch>
+            <a:fillRect/>
+          </a:stretch>
+        </p:blipFill>
+        <p:spPr>
+          <a:xfrm>
+            <a:off x="2741724" y="3501008"/>
+            <a:ext cx="3816424" cy="2973304"/>
+          </a:xfrm>
+          <a:prstGeom prst="rect">
+            <a:avLst/>
+          </a:prstGeom>
+        </p:spPr>
+      </p:pic>
+      <p:pic>
+        <p:nvPicPr>
+          <p:cNvPr id="11" name="그림 10"/>
+          <p:cNvPicPr>
+            <a:picLocks noChangeAspect="1"/>
+          </p:cNvPicPr>
+          <p:nvPr/>
+        </p:nvPicPr>
+        <p:blipFill>
+          <a:blip r:embed="rId6" cstate="print">
+            <a:extLst>
+              <a:ext uri="{28A0092B-C50C-407E-A947-70E740481C1C}">
+                <a14:useLocalDpi xmlns:a14="http://schemas.microsoft.com/office/drawing/2010/main" val="0"/>
+              </a:ext>
+            </a:extLst>
+          </a:blip>
+          <a:stretch>
+            <a:fillRect/>
+          </a:stretch>
+        </p:blipFill>
+        <p:spPr>
+          <a:xfrm>
+            <a:off x="335360" y="3775720"/>
+            <a:ext cx="2144237" cy="1672631"/>
+          </a:xfrm>
+          <a:prstGeom prst="rect">
+            <a:avLst/>
+          </a:prstGeom>
+        </p:spPr>
+      </p:pic>
+      <p:pic>
+        <p:nvPicPr>
+          <p:cNvPr id="12" name="그림 11"/>
+          <p:cNvPicPr>
+            <a:picLocks noChangeAspect="1"/>
+          </p:cNvPicPr>
+          <p:nvPr/>
+        </p:nvPicPr>
+        <p:blipFill>
+          <a:blip r:embed="rId7" cstate="print">
+            <a:extLst>
+              <a:ext uri="{28A0092B-C50C-407E-A947-70E740481C1C}">
+                <a14:useLocalDpi xmlns:a14="http://schemas.microsoft.com/office/drawing/2010/main" val="0"/>
+              </a:ext>
+            </a:extLst>
+          </a:blip>
+          <a:stretch>
+            <a:fillRect/>
+          </a:stretch>
+        </p:blipFill>
+        <p:spPr>
+          <a:xfrm>
+            <a:off x="6888088" y="3833245"/>
+            <a:ext cx="2073667" cy="1615106"/>
+          </a:xfrm>
+          <a:prstGeom prst="rect">
+            <a:avLst/>
+          </a:prstGeom>
+        </p:spPr>
+      </p:pic>
+      <p:sp>
+        <p:nvSpPr>
+          <p:cNvPr id="13" name="TextBox 12"/>
+          <p:cNvSpPr txBox="1"/>
+          <p:nvPr/>
+        </p:nvSpPr>
+        <p:spPr>
+          <a:xfrm>
+            <a:off x="9456832" y="223187"/>
+            <a:ext cx="2304256" cy="6555641"/>
+          </a:xfrm>
+          <a:prstGeom prst="rect">
+            <a:avLst/>
+          </a:prstGeom>
+          <a:noFill/>
+        </p:spPr>
+        <p:txBody>
+          <a:bodyPr wrap="square" rtlCol="0">
+            <a:spAutoFit/>
+          </a:bodyPr>
+          <a:lstStyle/>
+          <a:p>
+            <a:r>
+              <a:rPr lang="ko-KR" altLang="en-US" sz="2800" dirty="0" smtClean="0"/>
+              <a:t>몬스터 무리가 등장하는 스테이지를 돌파하여 보스 몬스터를 쓰러뜨리는 </a:t>
+            </a:r>
+            <a:r>
+              <a:rPr lang="en-US" altLang="ko-KR" sz="2800" dirty="0" smtClean="0"/>
+              <a:t>RPG</a:t>
+            </a:r>
+            <a:r>
+              <a:rPr lang="ko-KR" altLang="en-US" sz="2800" dirty="0" smtClean="0"/>
+              <a:t>게임</a:t>
+            </a:r>
+            <a:r>
+              <a:rPr lang="en-US" altLang="ko-KR" sz="2800" dirty="0" smtClean="0"/>
+              <a:t>.</a:t>
+            </a:r>
+          </a:p>
+          <a:p>
+            <a:endParaRPr lang="en-US" altLang="ko-KR" sz="2800" dirty="0"/>
+          </a:p>
+          <a:p>
+            <a:endParaRPr lang="en-US" altLang="ko-KR" sz="2800" dirty="0" smtClean="0"/>
+          </a:p>
+          <a:p>
+            <a:r>
+              <a:rPr lang="ko-KR" altLang="en-US" sz="2800" dirty="0" smtClean="0"/>
+              <a:t>몬스터를 쓰러뜨려서 얻은 경험치로 자신의 캐릭터를 성장시킬 수 있다</a:t>
+            </a:r>
+            <a:r>
+              <a:rPr lang="en-US" altLang="ko-KR" sz="2800" dirty="0" smtClean="0"/>
+              <a:t>.</a:t>
+            </a:r>
+          </a:p>
+        </p:txBody>
+      </p:sp>
     </p:spTree>
     <p:extLst>
       <p:ext uri="{BB962C8B-B14F-4D97-AF65-F5344CB8AC3E}">
@@ -2727,18 +2964,14 @@
             </a:r>
             <a:r>
               <a:rPr lang="ko-KR" altLang="en-US" dirty="0"/>
-              <a:t>아직 구현하고 싶은 것이 </a:t>
-            </a:r>
-            <a:r>
-              <a:rPr lang="ko-KR" altLang="en-US"/>
-              <a:t>많이 </a:t>
-            </a:r>
-            <a:r>
-              <a:rPr lang="ko-KR" altLang="en-US" smtClean="0"/>
+              <a:t>아직 구현하고 싶은 것이 많이 </a:t>
+            </a:r>
+            <a:r>
+              <a:rPr lang="ko-KR" altLang="en-US" dirty="0" smtClean="0"/>
               <a:t>있는데도</a:t>
             </a:r>
             <a:r>
-              <a:rPr lang="en-US" altLang="ko-KR" smtClean="0"/>
+              <a:rPr lang="en-US" altLang="ko-KR" dirty="0" smtClean="0"/>
               <a:t>,</a:t>
             </a:r>
             <a:endParaRPr lang="ko-KR" altLang="en-US" dirty="0"/>
